--- a/assets/images/makink_of_map.pptx
+++ b/assets/images/makink_of_map.pptx
@@ -104,6 +104,11 @@
       </a:defRPr>
     </a:lvl9pPr>
   </p:defaultTextStyle>
+  <p:extLst>
+    <p:ext uri="{EFAFB233-063F-42B5-8137-9DF3F51BA10A}">
+      <p15:sldGuideLst xmlns:p15="http://schemas.microsoft.com/office/powerpoint/2012/main"/>
+    </p:ext>
+  </p:extLst>
 </p:presentation>
 </file>
 
@@ -3363,7 +3368,7 @@
         </p:blipFill>
         <p:spPr>
           <a:xfrm>
-            <a:off x="3319367" y="991214"/>
+            <a:off x="6951598" y="1062235"/>
             <a:ext cx="4273419" cy="4107580"/>
           </a:xfrm>
           <a:prstGeom prst="rect">
@@ -3385,7 +3390,7 @@
         </p:nvSpPr>
         <p:spPr>
           <a:xfrm>
-            <a:off x="5673012" y="3824656"/>
+            <a:off x="9305243" y="3895677"/>
             <a:ext cx="894026" cy="369332"/>
           </a:xfrm>
           <a:prstGeom prst="rect">
@@ -3440,7 +3445,7 @@
         </p:nvSpPr>
         <p:spPr>
           <a:xfrm>
-            <a:off x="5540423" y="2569180"/>
+            <a:off x="9172654" y="2640201"/>
             <a:ext cx="1049776" cy="369332"/>
           </a:xfrm>
           <a:prstGeom prst="rect">
@@ -3495,7 +3500,7 @@
         </p:nvSpPr>
         <p:spPr>
           <a:xfrm>
-            <a:off x="6571480" y="2384514"/>
+            <a:off x="10203711" y="2455535"/>
             <a:ext cx="1064908" cy="369332"/>
           </a:xfrm>
           <a:prstGeom prst="rect">
@@ -3550,7 +3555,7 @@
         </p:nvSpPr>
         <p:spPr>
           <a:xfrm>
-            <a:off x="4346185" y="1565366"/>
+            <a:off x="7978416" y="1636387"/>
             <a:ext cx="1194238" cy="369332"/>
           </a:xfrm>
           <a:prstGeom prst="rect">
@@ -3605,7 +3610,7 @@
         </p:nvSpPr>
         <p:spPr>
           <a:xfrm>
-            <a:off x="6312472" y="3206249"/>
+            <a:off x="9944703" y="3277270"/>
             <a:ext cx="724878" cy="369332"/>
           </a:xfrm>
           <a:prstGeom prst="rect">
@@ -3621,7 +3626,7 @@
           <a:p>
             <a:pPr algn="ctr"/>
             <a:r>
-              <a:rPr lang="en-US" b="1" cap="none" spc="50" dirty="0" err="1">
+              <a:rPr lang="en-US" b="1" cap="none" spc="50" dirty="0">
                 <a:ln w="9525" cmpd="sng">
                   <a:solidFill>
                     <a:schemeClr val="accent1"/>
@@ -3643,26 +3648,586 @@
               </a:rPr>
               <a:t>iCBR</a:t>
             </a:r>
-            <a:endParaRPr lang="en-US" b="1" cap="none" spc="50" dirty="0">
-              <a:ln w="9525" cmpd="sng">
+          </a:p>
+        </p:txBody>
+      </p:sp>
+      <p:pic>
+        <p:nvPicPr>
+          <p:cNvPr id="5" name="Picture 4">
+            <a:extLst>
+              <a:ext uri="{FF2B5EF4-FFF2-40B4-BE49-F238E27FC236}">
+                <a16:creationId xmlns:a16="http://schemas.microsoft.com/office/drawing/2014/main" id="{A6D2B42B-EAEB-D0A3-2D37-25EF3AEC28AD}"/>
+              </a:ext>
+            </a:extLst>
+          </p:cNvPr>
+          <p:cNvPicPr>
+            <a:picLocks noChangeAspect="1"/>
+          </p:cNvPicPr>
+          <p:nvPr/>
+        </p:nvPicPr>
+        <p:blipFill>
+          <a:blip r:embed="rId3"/>
+          <a:stretch>
+            <a:fillRect/>
+          </a:stretch>
+        </p:blipFill>
+        <p:spPr>
+          <a:xfrm>
+            <a:off x="1342514" y="1062235"/>
+            <a:ext cx="4112532" cy="4112532"/>
+          </a:xfrm>
+          <a:prstGeom prst="rect">
+            <a:avLst/>
+          </a:prstGeom>
+        </p:spPr>
+      </p:pic>
+      <p:sp>
+        <p:nvSpPr>
+          <p:cNvPr id="6" name="Rectangle 5">
+            <a:extLst>
+              <a:ext uri="{FF2B5EF4-FFF2-40B4-BE49-F238E27FC236}">
+                <a16:creationId xmlns:a16="http://schemas.microsoft.com/office/drawing/2014/main" id="{5B43AD9C-348A-27C3-57B6-5D615089484A}"/>
+              </a:ext>
+            </a:extLst>
+          </p:cNvPr>
+          <p:cNvSpPr/>
+          <p:nvPr/>
+        </p:nvSpPr>
+        <p:spPr>
+          <a:xfrm>
+            <a:off x="2487803" y="1266149"/>
+            <a:ext cx="1034257" cy="323165"/>
+          </a:xfrm>
+          <a:prstGeom prst="rect">
+            <a:avLst/>
+          </a:prstGeom>
+          <a:noFill/>
+        </p:spPr>
+        <p:txBody>
+          <a:bodyPr wrap="none" lIns="91440" tIns="45720" rIns="91440" bIns="45720">
+            <a:spAutoFit/>
+          </a:bodyPr>
+          <a:lstStyle/>
+          <a:p>
+            <a:pPr algn="ctr"/>
+            <a:r>
+              <a:rPr lang="en-US" sz="1500" b="1" cap="none" spc="50" dirty="0">
+                <a:ln w="9525" cmpd="sng">
+                  <a:solidFill>
+                    <a:schemeClr val="accent1"/>
+                  </a:solidFill>
+                  <a:prstDash val="solid"/>
+                </a:ln>
                 <a:solidFill>
-                  <a:schemeClr val="accent1"/>
+                  <a:srgbClr val="70AD47">
+                    <a:tint val="1000"/>
+                  </a:srgbClr>
                 </a:solidFill>
-                <a:prstDash val="solid"/>
-              </a:ln>
-              <a:solidFill>
-                <a:srgbClr val="70AD47">
-                  <a:tint val="1000"/>
-                </a:srgbClr>
-              </a:solidFill>
-              <a:effectLst>
-                <a:glow rad="38100">
-                  <a:schemeClr val="accent1">
-                    <a:alpha val="40000"/>
-                  </a:schemeClr>
-                </a:glow>
-              </a:effectLst>
-            </a:endParaRPr>
+                <a:effectLst>
+                  <a:glow rad="38100">
+                    <a:schemeClr val="accent1">
+                      <a:alpha val="40000"/>
+                    </a:schemeClr>
+                  </a:glow>
+                </a:effectLst>
+              </a:rPr>
+              <a:t>CANTINA</a:t>
+            </a:r>
+          </a:p>
+        </p:txBody>
+      </p:sp>
+      <p:sp>
+        <p:nvSpPr>
+          <p:cNvPr id="7" name="Rectangle 6">
+            <a:extLst>
+              <a:ext uri="{FF2B5EF4-FFF2-40B4-BE49-F238E27FC236}">
+                <a16:creationId xmlns:a16="http://schemas.microsoft.com/office/drawing/2014/main" id="{3FA3E6E2-4242-ED9C-76B6-92088E401603}"/>
+              </a:ext>
+            </a:extLst>
+          </p:cNvPr>
+          <p:cNvSpPr/>
+          <p:nvPr/>
+        </p:nvSpPr>
+        <p:spPr>
+          <a:xfrm>
+            <a:off x="4501405" y="2577902"/>
+            <a:ext cx="924870" cy="323165"/>
+          </a:xfrm>
+          <a:prstGeom prst="rect">
+            <a:avLst/>
+          </a:prstGeom>
+          <a:noFill/>
+        </p:spPr>
+        <p:txBody>
+          <a:bodyPr wrap="none" lIns="91440" tIns="45720" rIns="91440" bIns="45720">
+            <a:spAutoFit/>
+          </a:bodyPr>
+          <a:lstStyle/>
+          <a:p>
+            <a:pPr algn="ctr"/>
+            <a:r>
+              <a:rPr lang="en-US" sz="1500" b="1" cap="none" spc="50" dirty="0">
+                <a:ln w="9525" cmpd="sng">
+                  <a:solidFill>
+                    <a:schemeClr val="accent1"/>
+                  </a:solidFill>
+                  <a:prstDash val="solid"/>
+                </a:ln>
+                <a:solidFill>
+                  <a:srgbClr val="70AD47">
+                    <a:tint val="1000"/>
+                  </a:srgbClr>
+                </a:solidFill>
+                <a:effectLst>
+                  <a:glow rad="38100">
+                    <a:schemeClr val="accent1">
+                      <a:alpha val="40000"/>
+                    </a:schemeClr>
+                  </a:glow>
+                </a:effectLst>
+              </a:rPr>
+              <a:t>FMUC-3</a:t>
+            </a:r>
+          </a:p>
+        </p:txBody>
+      </p:sp>
+      <p:sp>
+        <p:nvSpPr>
+          <p:cNvPr id="8" name="Rectangle 7">
+            <a:extLst>
+              <a:ext uri="{FF2B5EF4-FFF2-40B4-BE49-F238E27FC236}">
+                <a16:creationId xmlns:a16="http://schemas.microsoft.com/office/drawing/2014/main" id="{184594D0-9DC5-A3FE-6F9F-73E6ECCC4ED7}"/>
+              </a:ext>
+            </a:extLst>
+          </p:cNvPr>
+          <p:cNvSpPr/>
+          <p:nvPr/>
+        </p:nvSpPr>
+        <p:spPr>
+          <a:xfrm>
+            <a:off x="3146121" y="2451955"/>
+            <a:ext cx="912302" cy="323165"/>
+          </a:xfrm>
+          <a:prstGeom prst="rect">
+            <a:avLst/>
+          </a:prstGeom>
+          <a:noFill/>
+        </p:spPr>
+        <p:txBody>
+          <a:bodyPr wrap="none" lIns="91440" tIns="45720" rIns="91440" bIns="45720">
+            <a:spAutoFit/>
+          </a:bodyPr>
+          <a:lstStyle/>
+          <a:p>
+            <a:pPr algn="ctr"/>
+            <a:r>
+              <a:rPr lang="en-US" sz="1500" b="1" cap="none" spc="50" dirty="0">
+                <a:ln w="9525" cmpd="sng">
+                  <a:solidFill>
+                    <a:schemeClr val="accent1"/>
+                  </a:solidFill>
+                  <a:prstDash val="solid"/>
+                </a:ln>
+                <a:solidFill>
+                  <a:srgbClr val="70AD47">
+                    <a:tint val="1000"/>
+                  </a:srgbClr>
+                </a:solidFill>
+                <a:effectLst>
+                  <a:glow rad="38100">
+                    <a:schemeClr val="accent1">
+                      <a:alpha val="40000"/>
+                    </a:schemeClr>
+                  </a:glow>
+                </a:effectLst>
+              </a:rPr>
+              <a:t>FMUC-1</a:t>
+            </a:r>
+          </a:p>
+        </p:txBody>
+      </p:sp>
+      <p:sp>
+        <p:nvSpPr>
+          <p:cNvPr id="10" name="Rectangle 9">
+            <a:extLst>
+              <a:ext uri="{FF2B5EF4-FFF2-40B4-BE49-F238E27FC236}">
+                <a16:creationId xmlns:a16="http://schemas.microsoft.com/office/drawing/2014/main" id="{7A7E0C8C-2D4A-AABB-DB05-7E1437551CBD}"/>
+              </a:ext>
+            </a:extLst>
+          </p:cNvPr>
+          <p:cNvSpPr/>
+          <p:nvPr/>
+        </p:nvSpPr>
+        <p:spPr>
+          <a:xfrm>
+            <a:off x="3612026" y="3054455"/>
+            <a:ext cx="638316" cy="323165"/>
+          </a:xfrm>
+          <a:prstGeom prst="rect">
+            <a:avLst/>
+          </a:prstGeom>
+          <a:noFill/>
+        </p:spPr>
+        <p:txBody>
+          <a:bodyPr wrap="none" lIns="91440" tIns="45720" rIns="91440" bIns="45720">
+            <a:spAutoFit/>
+          </a:bodyPr>
+          <a:lstStyle/>
+          <a:p>
+            <a:pPr algn="ctr"/>
+            <a:r>
+              <a:rPr lang="en-US" sz="1500" b="1" cap="none" spc="50" dirty="0">
+                <a:ln w="9525" cmpd="sng">
+                  <a:solidFill>
+                    <a:schemeClr val="accent1"/>
+                  </a:solidFill>
+                  <a:prstDash val="solid"/>
+                </a:ln>
+                <a:solidFill>
+                  <a:srgbClr val="70AD47">
+                    <a:tint val="1000"/>
+                  </a:srgbClr>
+                </a:solidFill>
+                <a:effectLst>
+                  <a:glow rad="38100">
+                    <a:schemeClr val="accent1">
+                      <a:alpha val="40000"/>
+                    </a:schemeClr>
+                  </a:glow>
+                </a:effectLst>
+              </a:rPr>
+              <a:t>iCBR</a:t>
+            </a:r>
+          </a:p>
+        </p:txBody>
+      </p:sp>
+      <p:sp>
+        <p:nvSpPr>
+          <p:cNvPr id="11" name="Rectangle 10">
+            <a:extLst>
+              <a:ext uri="{FF2B5EF4-FFF2-40B4-BE49-F238E27FC236}">
+                <a16:creationId xmlns:a16="http://schemas.microsoft.com/office/drawing/2014/main" id="{2EB295A3-C487-BF49-18EA-B791B50B1184}"/>
+              </a:ext>
+            </a:extLst>
+          </p:cNvPr>
+          <p:cNvSpPr/>
+          <p:nvPr/>
+        </p:nvSpPr>
+        <p:spPr>
+          <a:xfrm>
+            <a:off x="2779870" y="3872593"/>
+            <a:ext cx="781945" cy="323165"/>
+          </a:xfrm>
+          <a:prstGeom prst="rect">
+            <a:avLst/>
+          </a:prstGeom>
+          <a:noFill/>
+        </p:spPr>
+        <p:txBody>
+          <a:bodyPr wrap="none" lIns="91440" tIns="45720" rIns="91440" bIns="45720">
+            <a:spAutoFit/>
+          </a:bodyPr>
+          <a:lstStyle/>
+          <a:p>
+            <a:pPr algn="ctr"/>
+            <a:r>
+              <a:rPr lang="en-US" sz="1500" b="1" cap="none" spc="50" dirty="0">
+                <a:ln w="9525" cmpd="sng">
+                  <a:solidFill>
+                    <a:schemeClr val="accent1"/>
+                  </a:solidFill>
+                  <a:prstDash val="solid"/>
+                </a:ln>
+                <a:solidFill>
+                  <a:srgbClr val="70AD47">
+                    <a:tint val="1000"/>
+                  </a:srgbClr>
+                </a:solidFill>
+                <a:effectLst>
+                  <a:glow rad="38100">
+                    <a:schemeClr val="accent1">
+                      <a:alpha val="40000"/>
+                    </a:schemeClr>
+                  </a:glow>
+                </a:effectLst>
+              </a:rPr>
+              <a:t>ICNAS</a:t>
+            </a:r>
+          </a:p>
+        </p:txBody>
+      </p:sp>
+      <p:sp>
+        <p:nvSpPr>
+          <p:cNvPr id="15" name="Rectangle 14">
+            <a:extLst>
+              <a:ext uri="{FF2B5EF4-FFF2-40B4-BE49-F238E27FC236}">
+                <a16:creationId xmlns:a16="http://schemas.microsoft.com/office/drawing/2014/main" id="{DC915834-9AA2-C031-35C6-CAE1AF6E99E9}"/>
+              </a:ext>
+            </a:extLst>
+          </p:cNvPr>
+          <p:cNvSpPr/>
+          <p:nvPr/>
+        </p:nvSpPr>
+        <p:spPr>
+          <a:xfrm>
+            <a:off x="4442261" y="2670235"/>
+            <a:ext cx="284052" cy="461665"/>
+          </a:xfrm>
+          <a:prstGeom prst="rect">
+            <a:avLst/>
+          </a:prstGeom>
+          <a:noFill/>
+        </p:spPr>
+        <p:txBody>
+          <a:bodyPr wrap="none" lIns="91440" tIns="45720" rIns="91440" bIns="45720">
+            <a:spAutoFit/>
+          </a:bodyPr>
+          <a:lstStyle/>
+          <a:p>
+            <a:pPr algn="ctr"/>
+            <a:r>
+              <a:rPr lang="en-US" sz="2400" b="1" cap="none" spc="50" dirty="0">
+                <a:ln w="9525" cmpd="sng">
+                  <a:solidFill>
+                    <a:schemeClr val="accent1"/>
+                  </a:solidFill>
+                  <a:prstDash val="solid"/>
+                </a:ln>
+                <a:solidFill>
+                  <a:srgbClr val="70AD47">
+                    <a:tint val="1000"/>
+                  </a:srgbClr>
+                </a:solidFill>
+                <a:effectLst>
+                  <a:glow rad="38100">
+                    <a:schemeClr val="accent1">
+                      <a:alpha val="40000"/>
+                    </a:schemeClr>
+                  </a:glow>
+                </a:effectLst>
+              </a:rPr>
+              <a:t>.</a:t>
+            </a:r>
+          </a:p>
+        </p:txBody>
+      </p:sp>
+      <p:sp>
+        <p:nvSpPr>
+          <p:cNvPr id="17" name="Rectangle 16">
+            <a:extLst>
+              <a:ext uri="{FF2B5EF4-FFF2-40B4-BE49-F238E27FC236}">
+                <a16:creationId xmlns:a16="http://schemas.microsoft.com/office/drawing/2014/main" id="{281F5CF8-E079-4288-CF24-D8442B641E80}"/>
+              </a:ext>
+            </a:extLst>
+          </p:cNvPr>
+          <p:cNvSpPr/>
+          <p:nvPr/>
+        </p:nvSpPr>
+        <p:spPr>
+          <a:xfrm>
+            <a:off x="3071865" y="2534357"/>
+            <a:ext cx="284052" cy="461665"/>
+          </a:xfrm>
+          <a:prstGeom prst="rect">
+            <a:avLst/>
+          </a:prstGeom>
+          <a:noFill/>
+        </p:spPr>
+        <p:txBody>
+          <a:bodyPr wrap="none" lIns="91440" tIns="45720" rIns="91440" bIns="45720">
+            <a:spAutoFit/>
+          </a:bodyPr>
+          <a:lstStyle/>
+          <a:p>
+            <a:pPr algn="ctr"/>
+            <a:r>
+              <a:rPr lang="en-US" sz="2400" b="1" cap="none" spc="50" dirty="0">
+                <a:ln w="9525" cmpd="sng">
+                  <a:solidFill>
+                    <a:schemeClr val="accent1"/>
+                  </a:solidFill>
+                  <a:prstDash val="solid"/>
+                </a:ln>
+                <a:solidFill>
+                  <a:srgbClr val="70AD47">
+                    <a:tint val="1000"/>
+                  </a:srgbClr>
+                </a:solidFill>
+                <a:effectLst>
+                  <a:glow rad="38100">
+                    <a:schemeClr val="accent1">
+                      <a:alpha val="40000"/>
+                    </a:schemeClr>
+                  </a:glow>
+                </a:effectLst>
+              </a:rPr>
+              <a:t>.</a:t>
+            </a:r>
+          </a:p>
+        </p:txBody>
+      </p:sp>
+      <p:sp>
+        <p:nvSpPr>
+          <p:cNvPr id="23" name="Rectangle 22">
+            <a:extLst>
+              <a:ext uri="{FF2B5EF4-FFF2-40B4-BE49-F238E27FC236}">
+                <a16:creationId xmlns:a16="http://schemas.microsoft.com/office/drawing/2014/main" id="{0A8FAB92-F149-C3B3-7F5B-ADCB70DF48FA}"/>
+              </a:ext>
+            </a:extLst>
+          </p:cNvPr>
+          <p:cNvSpPr/>
+          <p:nvPr/>
+        </p:nvSpPr>
+        <p:spPr>
+          <a:xfrm>
+            <a:off x="2885954" y="4034176"/>
+            <a:ext cx="284052" cy="461665"/>
+          </a:xfrm>
+          <a:prstGeom prst="rect">
+            <a:avLst/>
+          </a:prstGeom>
+          <a:noFill/>
+        </p:spPr>
+        <p:txBody>
+          <a:bodyPr wrap="none" lIns="91440" tIns="45720" rIns="91440" bIns="45720">
+            <a:spAutoFit/>
+          </a:bodyPr>
+          <a:lstStyle/>
+          <a:p>
+            <a:pPr algn="ctr"/>
+            <a:r>
+              <a:rPr lang="en-US" sz="2400" b="1" cap="none" spc="50" dirty="0">
+                <a:ln w="9525" cmpd="sng">
+                  <a:solidFill>
+                    <a:schemeClr val="accent1"/>
+                  </a:solidFill>
+                  <a:prstDash val="solid"/>
+                </a:ln>
+                <a:solidFill>
+                  <a:srgbClr val="70AD47">
+                    <a:tint val="1000"/>
+                  </a:srgbClr>
+                </a:solidFill>
+                <a:effectLst>
+                  <a:glow rad="38100">
+                    <a:schemeClr val="accent1">
+                      <a:alpha val="40000"/>
+                    </a:schemeClr>
+                  </a:glow>
+                </a:effectLst>
+              </a:rPr>
+              <a:t>.</a:t>
+            </a:r>
+          </a:p>
+        </p:txBody>
+      </p:sp>
+      <p:sp>
+        <p:nvSpPr>
+          <p:cNvPr id="24" name="Rectangle 23">
+            <a:extLst>
+              <a:ext uri="{FF2B5EF4-FFF2-40B4-BE49-F238E27FC236}">
+                <a16:creationId xmlns:a16="http://schemas.microsoft.com/office/drawing/2014/main" id="{DC6F5165-8C13-1E3B-240D-7624DFA7EA01}"/>
+              </a:ext>
+            </a:extLst>
+          </p:cNvPr>
+          <p:cNvSpPr/>
+          <p:nvPr/>
+        </p:nvSpPr>
+        <p:spPr>
+          <a:xfrm>
+            <a:off x="2613123" y="1288661"/>
+            <a:ext cx="284052" cy="461665"/>
+          </a:xfrm>
+          <a:prstGeom prst="rect">
+            <a:avLst/>
+          </a:prstGeom>
+          <a:noFill/>
+        </p:spPr>
+        <p:txBody>
+          <a:bodyPr wrap="none" lIns="91440" tIns="45720" rIns="91440" bIns="45720">
+            <a:spAutoFit/>
+          </a:bodyPr>
+          <a:lstStyle/>
+          <a:p>
+            <a:pPr algn="ctr"/>
+            <a:r>
+              <a:rPr lang="en-US" sz="2400" b="1" cap="none" spc="50" dirty="0">
+                <a:ln w="9525" cmpd="sng">
+                  <a:solidFill>
+                    <a:schemeClr val="accent1"/>
+                  </a:solidFill>
+                  <a:prstDash val="solid"/>
+                </a:ln>
+                <a:solidFill>
+                  <a:srgbClr val="70AD47">
+                    <a:tint val="1000"/>
+                  </a:srgbClr>
+                </a:solidFill>
+                <a:effectLst>
+                  <a:glow rad="38100">
+                    <a:schemeClr val="accent1">
+                      <a:alpha val="40000"/>
+                    </a:schemeClr>
+                  </a:glow>
+                </a:effectLst>
+              </a:rPr>
+              <a:t>.</a:t>
+            </a:r>
+          </a:p>
+        </p:txBody>
+      </p:sp>
+      <p:sp>
+        <p:nvSpPr>
+          <p:cNvPr id="25" name="Rectangle 24">
+            <a:extLst>
+              <a:ext uri="{FF2B5EF4-FFF2-40B4-BE49-F238E27FC236}">
+                <a16:creationId xmlns:a16="http://schemas.microsoft.com/office/drawing/2014/main" id="{48BFBAC4-0CC0-0E99-0F0E-40BE19AB6714}"/>
+              </a:ext>
+            </a:extLst>
+          </p:cNvPr>
+          <p:cNvSpPr/>
+          <p:nvPr/>
+        </p:nvSpPr>
+        <p:spPr>
+          <a:xfrm>
+            <a:off x="3522060" y="3184937"/>
+            <a:ext cx="284052" cy="461665"/>
+          </a:xfrm>
+          <a:prstGeom prst="rect">
+            <a:avLst/>
+          </a:prstGeom>
+          <a:noFill/>
+        </p:spPr>
+        <p:txBody>
+          <a:bodyPr wrap="none" lIns="91440" tIns="45720" rIns="91440" bIns="45720">
+            <a:spAutoFit/>
+          </a:bodyPr>
+          <a:lstStyle/>
+          <a:p>
+            <a:pPr algn="ctr"/>
+            <a:r>
+              <a:rPr lang="en-US" sz="2400" b="1" cap="none" spc="50" dirty="0">
+                <a:ln w="9525" cmpd="sng">
+                  <a:solidFill>
+                    <a:schemeClr val="accent1"/>
+                  </a:solidFill>
+                  <a:prstDash val="solid"/>
+                </a:ln>
+                <a:solidFill>
+                  <a:srgbClr val="70AD47">
+                    <a:tint val="1000"/>
+                  </a:srgbClr>
+                </a:solidFill>
+                <a:effectLst>
+                  <a:glow rad="38100">
+                    <a:schemeClr val="accent1">
+                      <a:alpha val="40000"/>
+                    </a:schemeClr>
+                  </a:glow>
+                </a:effectLst>
+              </a:rPr>
+              <a:t>.</a:t>
+            </a:r>
           </a:p>
         </p:txBody>
       </p:sp>

--- a/assets/images/makink_of_map.pptx
+++ b/assets/images/makink_of_map.pptx
@@ -261,7 +261,7 @@
           <a:p>
             <a:fld id="{C9077357-F027-48B0-9DA9-8ECDBF40C9FF}" type="datetimeFigureOut">
               <a:rPr lang="en-GB" smtClean="0"/>
-              <a:t>10/05/2024</a:t>
+              <a:t>17/06/2024</a:t>
             </a:fld>
             <a:endParaRPr lang="en-GB"/>
           </a:p>
@@ -461,7 +461,7 @@
           <a:p>
             <a:fld id="{C9077357-F027-48B0-9DA9-8ECDBF40C9FF}" type="datetimeFigureOut">
               <a:rPr lang="en-GB" smtClean="0"/>
-              <a:t>10/05/2024</a:t>
+              <a:t>17/06/2024</a:t>
             </a:fld>
             <a:endParaRPr lang="en-GB"/>
           </a:p>
@@ -671,7 +671,7 @@
           <a:p>
             <a:fld id="{C9077357-F027-48B0-9DA9-8ECDBF40C9FF}" type="datetimeFigureOut">
               <a:rPr lang="en-GB" smtClean="0"/>
-              <a:t>10/05/2024</a:t>
+              <a:t>17/06/2024</a:t>
             </a:fld>
             <a:endParaRPr lang="en-GB"/>
           </a:p>
@@ -871,7 +871,7 @@
           <a:p>
             <a:fld id="{C9077357-F027-48B0-9DA9-8ECDBF40C9FF}" type="datetimeFigureOut">
               <a:rPr lang="en-GB" smtClean="0"/>
-              <a:t>10/05/2024</a:t>
+              <a:t>17/06/2024</a:t>
             </a:fld>
             <a:endParaRPr lang="en-GB"/>
           </a:p>
@@ -1147,7 +1147,7 @@
           <a:p>
             <a:fld id="{C9077357-F027-48B0-9DA9-8ECDBF40C9FF}" type="datetimeFigureOut">
               <a:rPr lang="en-GB" smtClean="0"/>
-              <a:t>10/05/2024</a:t>
+              <a:t>17/06/2024</a:t>
             </a:fld>
             <a:endParaRPr lang="en-GB"/>
           </a:p>
@@ -1415,7 +1415,7 @@
           <a:p>
             <a:fld id="{C9077357-F027-48B0-9DA9-8ECDBF40C9FF}" type="datetimeFigureOut">
               <a:rPr lang="en-GB" smtClean="0"/>
-              <a:t>10/05/2024</a:t>
+              <a:t>17/06/2024</a:t>
             </a:fld>
             <a:endParaRPr lang="en-GB"/>
           </a:p>
@@ -1830,7 +1830,7 @@
           <a:p>
             <a:fld id="{C9077357-F027-48B0-9DA9-8ECDBF40C9FF}" type="datetimeFigureOut">
               <a:rPr lang="en-GB" smtClean="0"/>
-              <a:t>10/05/2024</a:t>
+              <a:t>17/06/2024</a:t>
             </a:fld>
             <a:endParaRPr lang="en-GB"/>
           </a:p>
@@ -1972,7 +1972,7 @@
           <a:p>
             <a:fld id="{C9077357-F027-48B0-9DA9-8ECDBF40C9FF}" type="datetimeFigureOut">
               <a:rPr lang="en-GB" smtClean="0"/>
-              <a:t>10/05/2024</a:t>
+              <a:t>17/06/2024</a:t>
             </a:fld>
             <a:endParaRPr lang="en-GB"/>
           </a:p>
@@ -2085,7 +2085,7 @@
           <a:p>
             <a:fld id="{C9077357-F027-48B0-9DA9-8ECDBF40C9FF}" type="datetimeFigureOut">
               <a:rPr lang="en-GB" smtClean="0"/>
-              <a:t>10/05/2024</a:t>
+              <a:t>17/06/2024</a:t>
             </a:fld>
             <a:endParaRPr lang="en-GB"/>
           </a:p>
@@ -2398,7 +2398,7 @@
           <a:p>
             <a:fld id="{C9077357-F027-48B0-9DA9-8ECDBF40C9FF}" type="datetimeFigureOut">
               <a:rPr lang="en-GB" smtClean="0"/>
-              <a:t>10/05/2024</a:t>
+              <a:t>17/06/2024</a:t>
             </a:fld>
             <a:endParaRPr lang="en-GB"/>
           </a:p>
@@ -2687,7 +2687,7 @@
           <a:p>
             <a:fld id="{C9077357-F027-48B0-9DA9-8ECDBF40C9FF}" type="datetimeFigureOut">
               <a:rPr lang="en-GB" smtClean="0"/>
-              <a:t>10/05/2024</a:t>
+              <a:t>17/06/2024</a:t>
             </a:fld>
             <a:endParaRPr lang="en-GB"/>
           </a:p>
@@ -2930,7 +2930,7 @@
           <a:p>
             <a:fld id="{C9077357-F027-48B0-9DA9-8ECDBF40C9FF}" type="datetimeFigureOut">
               <a:rPr lang="en-GB" smtClean="0"/>
-              <a:t>10/05/2024</a:t>
+              <a:t>17/06/2024</a:t>
             </a:fld>
             <a:endParaRPr lang="en-GB"/>
           </a:p>
@@ -3349,310 +3349,6 @@
       </p:grpSpPr>
       <p:pic>
         <p:nvPicPr>
-          <p:cNvPr id="9" name="Picture 8">
-            <a:extLst>
-              <a:ext uri="{FF2B5EF4-FFF2-40B4-BE49-F238E27FC236}">
-                <a16:creationId xmlns:a16="http://schemas.microsoft.com/office/drawing/2014/main" id="{932B86A1-9D45-6409-DED7-9953019D30FD}"/>
-              </a:ext>
-            </a:extLst>
-          </p:cNvPr>
-          <p:cNvPicPr>
-            <a:picLocks noChangeAspect="1"/>
-          </p:cNvPicPr>
-          <p:nvPr/>
-        </p:nvPicPr>
-        <p:blipFill rotWithShape="1">
-          <a:blip r:embed="rId2"/>
-          <a:srcRect l="27094" t="24542" r="37856" b="15562"/>
-          <a:stretch/>
-        </p:blipFill>
-        <p:spPr>
-          <a:xfrm>
-            <a:off x="6951598" y="1062235"/>
-            <a:ext cx="4273419" cy="4107580"/>
-          </a:xfrm>
-          <a:prstGeom prst="rect">
-            <a:avLst/>
-          </a:prstGeom>
-        </p:spPr>
-      </p:pic>
-      <p:sp>
-        <p:nvSpPr>
-          <p:cNvPr id="18" name="Rectangle 17">
-            <a:extLst>
-              <a:ext uri="{FF2B5EF4-FFF2-40B4-BE49-F238E27FC236}">
-                <a16:creationId xmlns:a16="http://schemas.microsoft.com/office/drawing/2014/main" id="{3B34B5F9-7DCC-C1E3-3432-A8E6E3DF0A68}"/>
-              </a:ext>
-            </a:extLst>
-          </p:cNvPr>
-          <p:cNvSpPr/>
-          <p:nvPr/>
-        </p:nvSpPr>
-        <p:spPr>
-          <a:xfrm>
-            <a:off x="9305243" y="3895677"/>
-            <a:ext cx="894026" cy="369332"/>
-          </a:xfrm>
-          <a:prstGeom prst="rect">
-            <a:avLst/>
-          </a:prstGeom>
-          <a:noFill/>
-        </p:spPr>
-        <p:txBody>
-          <a:bodyPr wrap="none" lIns="91440" tIns="45720" rIns="91440" bIns="45720">
-            <a:spAutoFit/>
-          </a:bodyPr>
-          <a:lstStyle/>
-          <a:p>
-            <a:pPr algn="ctr"/>
-            <a:r>
-              <a:rPr lang="en-US" b="1" cap="none" spc="50" dirty="0">
-                <a:ln w="9525" cmpd="sng">
-                  <a:solidFill>
-                    <a:schemeClr val="accent1"/>
-                  </a:solidFill>
-                  <a:prstDash val="solid"/>
-                </a:ln>
-                <a:solidFill>
-                  <a:srgbClr val="70AD47">
-                    <a:tint val="1000"/>
-                  </a:srgbClr>
-                </a:solidFill>
-                <a:effectLst>
-                  <a:glow rad="38100">
-                    <a:schemeClr val="accent1">
-                      <a:alpha val="40000"/>
-                    </a:schemeClr>
-                  </a:glow>
-                </a:effectLst>
-              </a:rPr>
-              <a:t>ICNAS</a:t>
-            </a:r>
-          </a:p>
-        </p:txBody>
-      </p:sp>
-      <p:sp>
-        <p:nvSpPr>
-          <p:cNvPr id="19" name="Rectangle 18">
-            <a:extLst>
-              <a:ext uri="{FF2B5EF4-FFF2-40B4-BE49-F238E27FC236}">
-                <a16:creationId xmlns:a16="http://schemas.microsoft.com/office/drawing/2014/main" id="{1D3EA90F-A089-803D-0CF1-66D1EF1222BC}"/>
-              </a:ext>
-            </a:extLst>
-          </p:cNvPr>
-          <p:cNvSpPr/>
-          <p:nvPr/>
-        </p:nvSpPr>
-        <p:spPr>
-          <a:xfrm>
-            <a:off x="9172654" y="2640201"/>
-            <a:ext cx="1049776" cy="369332"/>
-          </a:xfrm>
-          <a:prstGeom prst="rect">
-            <a:avLst/>
-          </a:prstGeom>
-          <a:noFill/>
-        </p:spPr>
-        <p:txBody>
-          <a:bodyPr wrap="none" lIns="91440" tIns="45720" rIns="91440" bIns="45720">
-            <a:spAutoFit/>
-          </a:bodyPr>
-          <a:lstStyle/>
-          <a:p>
-            <a:pPr algn="ctr"/>
-            <a:r>
-              <a:rPr lang="en-US" b="1" cap="none" spc="50" dirty="0">
-                <a:ln w="9525" cmpd="sng">
-                  <a:solidFill>
-                    <a:schemeClr val="accent1"/>
-                  </a:solidFill>
-                  <a:prstDash val="solid"/>
-                </a:ln>
-                <a:solidFill>
-                  <a:srgbClr val="70AD47">
-                    <a:tint val="1000"/>
-                  </a:srgbClr>
-                </a:solidFill>
-                <a:effectLst>
-                  <a:glow rad="38100">
-                    <a:schemeClr val="accent1">
-                      <a:alpha val="40000"/>
-                    </a:schemeClr>
-                  </a:glow>
-                </a:effectLst>
-              </a:rPr>
-              <a:t>FMUC-1</a:t>
-            </a:r>
-          </a:p>
-        </p:txBody>
-      </p:sp>
-      <p:sp>
-        <p:nvSpPr>
-          <p:cNvPr id="20" name="Rectangle 19">
-            <a:extLst>
-              <a:ext uri="{FF2B5EF4-FFF2-40B4-BE49-F238E27FC236}">
-                <a16:creationId xmlns:a16="http://schemas.microsoft.com/office/drawing/2014/main" id="{527C7F75-89C1-38F0-BEBC-9AF21B779559}"/>
-              </a:ext>
-            </a:extLst>
-          </p:cNvPr>
-          <p:cNvSpPr/>
-          <p:nvPr/>
-        </p:nvSpPr>
-        <p:spPr>
-          <a:xfrm>
-            <a:off x="10203711" y="2455535"/>
-            <a:ext cx="1064908" cy="369332"/>
-          </a:xfrm>
-          <a:prstGeom prst="rect">
-            <a:avLst/>
-          </a:prstGeom>
-          <a:noFill/>
-        </p:spPr>
-        <p:txBody>
-          <a:bodyPr wrap="none" lIns="91440" tIns="45720" rIns="91440" bIns="45720">
-            <a:spAutoFit/>
-          </a:bodyPr>
-          <a:lstStyle/>
-          <a:p>
-            <a:pPr algn="ctr"/>
-            <a:r>
-              <a:rPr lang="en-US" b="1" cap="none" spc="50" dirty="0">
-                <a:ln w="9525" cmpd="sng">
-                  <a:solidFill>
-                    <a:schemeClr val="accent1"/>
-                  </a:solidFill>
-                  <a:prstDash val="solid"/>
-                </a:ln>
-                <a:solidFill>
-                  <a:srgbClr val="70AD47">
-                    <a:tint val="1000"/>
-                  </a:srgbClr>
-                </a:solidFill>
-                <a:effectLst>
-                  <a:glow rad="38100">
-                    <a:schemeClr val="accent1">
-                      <a:alpha val="40000"/>
-                    </a:schemeClr>
-                  </a:glow>
-                </a:effectLst>
-              </a:rPr>
-              <a:t>FMUC-3</a:t>
-            </a:r>
-          </a:p>
-        </p:txBody>
-      </p:sp>
-      <p:sp>
-        <p:nvSpPr>
-          <p:cNvPr id="21" name="Rectangle 20">
-            <a:extLst>
-              <a:ext uri="{FF2B5EF4-FFF2-40B4-BE49-F238E27FC236}">
-                <a16:creationId xmlns:a16="http://schemas.microsoft.com/office/drawing/2014/main" id="{DA4301C9-DCCC-0D14-9F82-6BC2CAEAFE32}"/>
-              </a:ext>
-            </a:extLst>
-          </p:cNvPr>
-          <p:cNvSpPr/>
-          <p:nvPr/>
-        </p:nvSpPr>
-        <p:spPr>
-          <a:xfrm>
-            <a:off x="7978416" y="1636387"/>
-            <a:ext cx="1194238" cy="369332"/>
-          </a:xfrm>
-          <a:prstGeom prst="rect">
-            <a:avLst/>
-          </a:prstGeom>
-          <a:noFill/>
-        </p:spPr>
-        <p:txBody>
-          <a:bodyPr wrap="none" lIns="91440" tIns="45720" rIns="91440" bIns="45720">
-            <a:spAutoFit/>
-          </a:bodyPr>
-          <a:lstStyle/>
-          <a:p>
-            <a:pPr algn="ctr"/>
-            <a:r>
-              <a:rPr lang="en-US" b="1" cap="none" spc="50" dirty="0">
-                <a:ln w="9525" cmpd="sng">
-                  <a:solidFill>
-                    <a:schemeClr val="accent1"/>
-                  </a:solidFill>
-                  <a:prstDash val="solid"/>
-                </a:ln>
-                <a:solidFill>
-                  <a:srgbClr val="70AD47">
-                    <a:tint val="1000"/>
-                  </a:srgbClr>
-                </a:solidFill>
-                <a:effectLst>
-                  <a:glow rad="38100">
-                    <a:schemeClr val="accent1">
-                      <a:alpha val="40000"/>
-                    </a:schemeClr>
-                  </a:glow>
-                </a:effectLst>
-              </a:rPr>
-              <a:t>CANTINA</a:t>
-            </a:r>
-          </a:p>
-        </p:txBody>
-      </p:sp>
-      <p:sp>
-        <p:nvSpPr>
-          <p:cNvPr id="22" name="Rectangle 21">
-            <a:extLst>
-              <a:ext uri="{FF2B5EF4-FFF2-40B4-BE49-F238E27FC236}">
-                <a16:creationId xmlns:a16="http://schemas.microsoft.com/office/drawing/2014/main" id="{8D49ECA1-6A76-DB71-8352-F0A286D969B9}"/>
-              </a:ext>
-            </a:extLst>
-          </p:cNvPr>
-          <p:cNvSpPr/>
-          <p:nvPr/>
-        </p:nvSpPr>
-        <p:spPr>
-          <a:xfrm>
-            <a:off x="9944703" y="3277270"/>
-            <a:ext cx="724878" cy="369332"/>
-          </a:xfrm>
-          <a:prstGeom prst="rect">
-            <a:avLst/>
-          </a:prstGeom>
-          <a:noFill/>
-        </p:spPr>
-        <p:txBody>
-          <a:bodyPr wrap="none" lIns="91440" tIns="45720" rIns="91440" bIns="45720">
-            <a:spAutoFit/>
-          </a:bodyPr>
-          <a:lstStyle/>
-          <a:p>
-            <a:pPr algn="ctr"/>
-            <a:r>
-              <a:rPr lang="en-US" b="1" cap="none" spc="50" dirty="0">
-                <a:ln w="9525" cmpd="sng">
-                  <a:solidFill>
-                    <a:schemeClr val="accent1"/>
-                  </a:solidFill>
-                  <a:prstDash val="solid"/>
-                </a:ln>
-                <a:solidFill>
-                  <a:srgbClr val="70AD47">
-                    <a:tint val="1000"/>
-                  </a:srgbClr>
-                </a:solidFill>
-                <a:effectLst>
-                  <a:glow rad="38100">
-                    <a:schemeClr val="accent1">
-                      <a:alpha val="40000"/>
-                    </a:schemeClr>
-                  </a:glow>
-                </a:effectLst>
-              </a:rPr>
-              <a:t>iCBR</a:t>
-            </a:r>
-          </a:p>
-        </p:txBody>
-      </p:sp>
-      <p:pic>
-        <p:nvPicPr>
           <p:cNvPr id="5" name="Picture 4">
             <a:extLst>
               <a:ext uri="{FF2B5EF4-FFF2-40B4-BE49-F238E27FC236}">
@@ -3666,7 +3362,7 @@
           <p:nvPr/>
         </p:nvPicPr>
         <p:blipFill>
-          <a:blip r:embed="rId3"/>
+          <a:blip r:embed="rId2"/>
           <a:stretch>
             <a:fillRect/>
           </a:stretch>
@@ -3695,8 +3391,8 @@
         </p:nvSpPr>
         <p:spPr>
           <a:xfrm>
-            <a:off x="2487803" y="1266149"/>
-            <a:ext cx="1034257" cy="323165"/>
+            <a:off x="2251218" y="1266149"/>
+            <a:ext cx="1579856" cy="323165"/>
           </a:xfrm>
           <a:prstGeom prst="rect">
             <a:avLst/>
@@ -3731,7 +3427,7 @@
                   </a:glow>
                 </a:effectLst>
               </a:rPr>
-              <a:t>CANTINA</a:t>
+              <a:t>BAR / CANTINA</a:t>
             </a:r>
           </a:p>
         </p:txBody>
